--- a/Background/Background.pptx
+++ b/Background/Background.pptx
@@ -5,11 +5,13 @@
     <p:sldMasterId id="2147483648" r:id="rId1"/>
   </p:sldMasterIdLst>
   <p:notesMasterIdLst>
-    <p:notesMasterId r:id="rId4"/>
+    <p:notesMasterId r:id="rId6"/>
   </p:notesMasterIdLst>
   <p:sldIdLst>
-    <p:sldId id="281" r:id="rId2"/>
-    <p:sldId id="282" r:id="rId3"/>
+    <p:sldId id="284" r:id="rId2"/>
+    <p:sldId id="281" r:id="rId3"/>
+    <p:sldId id="282" r:id="rId4"/>
+    <p:sldId id="283" r:id="rId5"/>
   </p:sldIdLst>
   <p:sldSz cx="12192000" cy="6858000"/>
   <p:notesSz cx="6858000" cy="9144000"/>
@@ -198,7 +200,7 @@
           <a:p>
             <a:fld id="{375FE050-BE3B-472F-8F62-00ACFB358741}" type="datetimeFigureOut">
               <a:rPr lang="en-IN" smtClean="0"/>
-              <a:t>02-11-2025</a:t>
+              <a:t>06-11-2025</a:t>
             </a:fld>
             <a:endParaRPr lang="en-IN"/>
           </a:p>
@@ -531,7 +533,7 @@
           <a:p>
             <a:fld id="{DC9A7157-9F00-4EE6-B9CA-45C0EF3FCE5B}" type="slidenum">
               <a:rPr lang="en-IN" smtClean="0"/>
-              <a:t>1</a:t>
+              <a:t>2</a:t>
             </a:fld>
             <a:endParaRPr lang="en-IN"/>
           </a:p>
@@ -639,7 +641,7 @@
           <a:p>
             <a:fld id="{DC9A7157-9F00-4EE6-B9CA-45C0EF3FCE5B}" type="slidenum">
               <a:rPr lang="en-IN" smtClean="0"/>
-              <a:t>2</a:t>
+              <a:t>3</a:t>
             </a:fld>
             <a:endParaRPr lang="en-IN"/>
           </a:p>
@@ -649,6 +651,114 @@
     <p:extLst>
       <p:ext uri="{BB962C8B-B14F-4D97-AF65-F5344CB8AC3E}">
         <p14:creationId xmlns:p14="http://schemas.microsoft.com/office/powerpoint/2010/main" val="2600104446"/>
+      </p:ext>
+    </p:extLst>
+  </p:cSld>
+  <p:clrMapOvr>
+    <a:masterClrMapping/>
+  </p:clrMapOvr>
+</p:notes>
+</file>
+
+<file path=ppt/notesSlides/notesSlide3.xml><?xml version="1.0" encoding="utf-8"?>
+<p:notes xmlns:a="http://schemas.openxmlformats.org/drawingml/2006/main" xmlns:r="http://schemas.openxmlformats.org/officeDocument/2006/relationships" xmlns:p="http://schemas.openxmlformats.org/presentationml/2006/main">
+  <p:cSld>
+    <p:spTree>
+      <p:nvGrpSpPr>
+        <p:cNvPr id="1" name="">
+          <a:extLst>
+            <a:ext uri="{FF2B5EF4-FFF2-40B4-BE49-F238E27FC236}">
+              <a16:creationId xmlns:a16="http://schemas.microsoft.com/office/drawing/2014/main" id="{05B45B2F-29E1-D113-0656-9DC5CD5E9B08}"/>
+            </a:ext>
+          </a:extLst>
+        </p:cNvPr>
+        <p:cNvGrpSpPr/>
+        <p:nvPr/>
+      </p:nvGrpSpPr>
+      <p:grpSpPr>
+        <a:xfrm>
+          <a:off x="0" y="0"/>
+          <a:ext cx="0" cy="0"/>
+          <a:chOff x="0" y="0"/>
+          <a:chExt cx="0" cy="0"/>
+        </a:xfrm>
+      </p:grpSpPr>
+      <p:sp>
+        <p:nvSpPr>
+          <p:cNvPr id="2" name="Slide Image Placeholder 1">
+            <a:extLst>
+              <a:ext uri="{FF2B5EF4-FFF2-40B4-BE49-F238E27FC236}">
+                <a16:creationId xmlns:a16="http://schemas.microsoft.com/office/drawing/2014/main" id="{FA746652-442C-5659-EEE8-4D24AF3FF585}"/>
+              </a:ext>
+            </a:extLst>
+          </p:cNvPr>
+          <p:cNvSpPr>
+            <a:spLocks noGrp="1" noRot="1" noChangeAspect="1"/>
+          </p:cNvSpPr>
+          <p:nvPr>
+            <p:ph type="sldImg"/>
+          </p:nvPr>
+        </p:nvSpPr>
+        <p:spPr/>
+      </p:sp>
+      <p:sp>
+        <p:nvSpPr>
+          <p:cNvPr id="3" name="Notes Placeholder 2">
+            <a:extLst>
+              <a:ext uri="{FF2B5EF4-FFF2-40B4-BE49-F238E27FC236}">
+                <a16:creationId xmlns:a16="http://schemas.microsoft.com/office/drawing/2014/main" id="{6E4B6A4B-CAA8-28C8-BAA5-839B8FA0D4D4}"/>
+              </a:ext>
+            </a:extLst>
+          </p:cNvPr>
+          <p:cNvSpPr>
+            <a:spLocks noGrp="1"/>
+          </p:cNvSpPr>
+          <p:nvPr>
+            <p:ph type="body" idx="1"/>
+          </p:nvPr>
+        </p:nvSpPr>
+        <p:spPr/>
+        <p:txBody>
+          <a:bodyPr/>
+          <a:lstStyle/>
+          <a:p>
+            <a:endParaRPr lang="en-IN"/>
+          </a:p>
+        </p:txBody>
+      </p:sp>
+      <p:sp>
+        <p:nvSpPr>
+          <p:cNvPr id="4" name="Slide Number Placeholder 3">
+            <a:extLst>
+              <a:ext uri="{FF2B5EF4-FFF2-40B4-BE49-F238E27FC236}">
+                <a16:creationId xmlns:a16="http://schemas.microsoft.com/office/drawing/2014/main" id="{68230A81-3084-C52E-769F-EA92ED7916CD}"/>
+              </a:ext>
+            </a:extLst>
+          </p:cNvPr>
+          <p:cNvSpPr>
+            <a:spLocks noGrp="1"/>
+          </p:cNvSpPr>
+          <p:nvPr>
+            <p:ph type="sldNum" sz="quarter" idx="5"/>
+          </p:nvPr>
+        </p:nvSpPr>
+        <p:spPr/>
+        <p:txBody>
+          <a:bodyPr/>
+          <a:lstStyle/>
+          <a:p>
+            <a:fld id="{DC9A7157-9F00-4EE6-B9CA-45C0EF3FCE5B}" type="slidenum">
+              <a:rPr lang="en-IN" smtClean="0"/>
+              <a:t>4</a:t>
+            </a:fld>
+            <a:endParaRPr lang="en-IN"/>
+          </a:p>
+        </p:txBody>
+      </p:sp>
+    </p:spTree>
+    <p:extLst>
+      <p:ext uri="{BB962C8B-B14F-4D97-AF65-F5344CB8AC3E}">
+        <p14:creationId xmlns:p14="http://schemas.microsoft.com/office/powerpoint/2010/main" val="970800943"/>
       </p:ext>
     </p:extLst>
   </p:cSld>
@@ -807,7 +917,7 @@
           <a:p>
             <a:fld id="{4F93B54D-6116-4BB3-A6D4-DE4072BACE23}" type="datetimeFigureOut">
               <a:rPr lang="en-IN" smtClean="0"/>
-              <a:t>02-11-2025</a:t>
+              <a:t>06-11-2025</a:t>
             </a:fld>
             <a:endParaRPr lang="en-IN"/>
           </a:p>
@@ -1007,7 +1117,7 @@
           <a:p>
             <a:fld id="{4F93B54D-6116-4BB3-A6D4-DE4072BACE23}" type="datetimeFigureOut">
               <a:rPr lang="en-IN" smtClean="0"/>
-              <a:t>02-11-2025</a:t>
+              <a:t>06-11-2025</a:t>
             </a:fld>
             <a:endParaRPr lang="en-IN"/>
           </a:p>
@@ -1217,7 +1327,7 @@
           <a:p>
             <a:fld id="{4F93B54D-6116-4BB3-A6D4-DE4072BACE23}" type="datetimeFigureOut">
               <a:rPr lang="en-IN" smtClean="0"/>
-              <a:t>02-11-2025</a:t>
+              <a:t>06-11-2025</a:t>
             </a:fld>
             <a:endParaRPr lang="en-IN"/>
           </a:p>
@@ -1417,7 +1527,7 @@
           <a:p>
             <a:fld id="{4F93B54D-6116-4BB3-A6D4-DE4072BACE23}" type="datetimeFigureOut">
               <a:rPr lang="en-IN" smtClean="0"/>
-              <a:t>02-11-2025</a:t>
+              <a:t>06-11-2025</a:t>
             </a:fld>
             <a:endParaRPr lang="en-IN"/>
           </a:p>
@@ -1693,7 +1803,7 @@
           <a:p>
             <a:fld id="{4F93B54D-6116-4BB3-A6D4-DE4072BACE23}" type="datetimeFigureOut">
               <a:rPr lang="en-IN" smtClean="0"/>
-              <a:t>02-11-2025</a:t>
+              <a:t>06-11-2025</a:t>
             </a:fld>
             <a:endParaRPr lang="en-IN"/>
           </a:p>
@@ -1961,7 +2071,7 @@
           <a:p>
             <a:fld id="{4F93B54D-6116-4BB3-A6D4-DE4072BACE23}" type="datetimeFigureOut">
               <a:rPr lang="en-IN" smtClean="0"/>
-              <a:t>02-11-2025</a:t>
+              <a:t>06-11-2025</a:t>
             </a:fld>
             <a:endParaRPr lang="en-IN"/>
           </a:p>
@@ -2376,7 +2486,7 @@
           <a:p>
             <a:fld id="{4F93B54D-6116-4BB3-A6D4-DE4072BACE23}" type="datetimeFigureOut">
               <a:rPr lang="en-IN" smtClean="0"/>
-              <a:t>02-11-2025</a:t>
+              <a:t>06-11-2025</a:t>
             </a:fld>
             <a:endParaRPr lang="en-IN"/>
           </a:p>
@@ -2518,7 +2628,7 @@
           <a:p>
             <a:fld id="{4F93B54D-6116-4BB3-A6D4-DE4072BACE23}" type="datetimeFigureOut">
               <a:rPr lang="en-IN" smtClean="0"/>
-              <a:t>02-11-2025</a:t>
+              <a:t>06-11-2025</a:t>
             </a:fld>
             <a:endParaRPr lang="en-IN"/>
           </a:p>
@@ -2631,7 +2741,7 @@
           <a:p>
             <a:fld id="{4F93B54D-6116-4BB3-A6D4-DE4072BACE23}" type="datetimeFigureOut">
               <a:rPr lang="en-IN" smtClean="0"/>
-              <a:t>02-11-2025</a:t>
+              <a:t>06-11-2025</a:t>
             </a:fld>
             <a:endParaRPr lang="en-IN"/>
           </a:p>
@@ -2944,7 +3054,7 @@
           <a:p>
             <a:fld id="{4F93B54D-6116-4BB3-A6D4-DE4072BACE23}" type="datetimeFigureOut">
               <a:rPr lang="en-IN" smtClean="0"/>
-              <a:t>02-11-2025</a:t>
+              <a:t>06-11-2025</a:t>
             </a:fld>
             <a:endParaRPr lang="en-IN"/>
           </a:p>
@@ -3233,7 +3343,7 @@
           <a:p>
             <a:fld id="{4F93B54D-6116-4BB3-A6D4-DE4072BACE23}" type="datetimeFigureOut">
               <a:rPr lang="en-IN" smtClean="0"/>
-              <a:t>02-11-2025</a:t>
+              <a:t>06-11-2025</a:t>
             </a:fld>
             <a:endParaRPr lang="en-IN"/>
           </a:p>
@@ -3476,7 +3586,7 @@
           <a:p>
             <a:fld id="{4F93B54D-6116-4BB3-A6D4-DE4072BACE23}" type="datetimeFigureOut">
               <a:rPr lang="en-IN" smtClean="0"/>
-              <a:t>02-11-2025</a:t>
+              <a:t>06-11-2025</a:t>
             </a:fld>
             <a:endParaRPr lang="en-IN"/>
           </a:p>
@@ -3895,6 +4005,224 @@
       </p:grpSpPr>
       <p:pic>
         <p:nvPicPr>
+          <p:cNvPr id="18" name="Picture 17">
+            <a:extLst>
+              <a:ext uri="{FF2B5EF4-FFF2-40B4-BE49-F238E27FC236}">
+                <a16:creationId xmlns:a16="http://schemas.microsoft.com/office/drawing/2014/main" id="{2AF9B332-73AC-F4E8-404F-C2CB6A327297}"/>
+              </a:ext>
+            </a:extLst>
+          </p:cNvPr>
+          <p:cNvPicPr>
+            <a:picLocks noChangeAspect="1"/>
+          </p:cNvPicPr>
+          <p:nvPr/>
+        </p:nvPicPr>
+        <p:blipFill>
+          <a:blip r:embed="rId2">
+            <a:extLst>
+              <a:ext uri="{28A0092B-C50C-407E-A947-70E740481C1C}">
+                <a14:useLocalDpi xmlns:a14="http://schemas.microsoft.com/office/drawing/2010/main" val="0"/>
+              </a:ext>
+            </a:extLst>
+          </a:blip>
+          <a:stretch>
+            <a:fillRect/>
+          </a:stretch>
+        </p:blipFill>
+        <p:spPr>
+          <a:xfrm>
+            <a:off x="0" y="0"/>
+            <a:ext cx="12192000" cy="6858000"/>
+          </a:xfrm>
+          <a:prstGeom prst="rect">
+            <a:avLst/>
+          </a:prstGeom>
+        </p:spPr>
+      </p:pic>
+      <p:pic>
+        <p:nvPicPr>
+          <p:cNvPr id="9" name="Picture 8">
+            <a:extLst>
+              <a:ext uri="{FF2B5EF4-FFF2-40B4-BE49-F238E27FC236}">
+                <a16:creationId xmlns:a16="http://schemas.microsoft.com/office/drawing/2014/main" id="{59E6413F-9430-89A6-8506-53B89AE0457B}"/>
+              </a:ext>
+            </a:extLst>
+          </p:cNvPr>
+          <p:cNvPicPr>
+            <a:picLocks noChangeAspect="1"/>
+          </p:cNvPicPr>
+          <p:nvPr/>
+        </p:nvPicPr>
+        <p:blipFill>
+          <a:blip r:embed="rId3">
+            <a:extLst>
+              <a:ext uri="{28A0092B-C50C-407E-A947-70E740481C1C}">
+                <a14:useLocalDpi xmlns:a14="http://schemas.microsoft.com/office/drawing/2010/main" val="0"/>
+              </a:ext>
+            </a:extLst>
+          </a:blip>
+          <a:stretch>
+            <a:fillRect/>
+          </a:stretch>
+        </p:blipFill>
+        <p:spPr>
+          <a:xfrm>
+            <a:off x="782788" y="3808426"/>
+            <a:ext cx="5854928" cy="3049571"/>
+          </a:xfrm>
+          <a:prstGeom prst="rect">
+            <a:avLst/>
+          </a:prstGeom>
+        </p:spPr>
+      </p:pic>
+      <p:pic>
+        <p:nvPicPr>
+          <p:cNvPr id="11" name="Picture 10">
+            <a:extLst>
+              <a:ext uri="{FF2B5EF4-FFF2-40B4-BE49-F238E27FC236}">
+                <a16:creationId xmlns:a16="http://schemas.microsoft.com/office/drawing/2014/main" id="{881547F0-DAD7-D56D-435C-6513D659B201}"/>
+              </a:ext>
+            </a:extLst>
+          </p:cNvPr>
+          <p:cNvPicPr>
+            <a:picLocks noChangeAspect="1"/>
+          </p:cNvPicPr>
+          <p:nvPr/>
+        </p:nvPicPr>
+        <p:blipFill>
+          <a:blip r:embed="rId4">
+            <a:extLst>
+              <a:ext uri="{28A0092B-C50C-407E-A947-70E740481C1C}">
+                <a14:useLocalDpi xmlns:a14="http://schemas.microsoft.com/office/drawing/2010/main" val="0"/>
+              </a:ext>
+            </a:extLst>
+          </a:blip>
+          <a:stretch>
+            <a:fillRect/>
+          </a:stretch>
+        </p:blipFill>
+        <p:spPr>
+          <a:xfrm>
+            <a:off x="5645773" y="3808428"/>
+            <a:ext cx="5854928" cy="3049571"/>
+          </a:xfrm>
+          <a:prstGeom prst="rect">
+            <a:avLst/>
+          </a:prstGeom>
+        </p:spPr>
+      </p:pic>
+      <p:pic>
+        <p:nvPicPr>
+          <p:cNvPr id="7" name="Picture 6">
+            <a:extLst>
+              <a:ext uri="{FF2B5EF4-FFF2-40B4-BE49-F238E27FC236}">
+                <a16:creationId xmlns:a16="http://schemas.microsoft.com/office/drawing/2014/main" id="{78A1BE61-2838-BF8A-E7F9-21CC51A32DB5}"/>
+              </a:ext>
+            </a:extLst>
+          </p:cNvPr>
+          <p:cNvPicPr>
+            <a:picLocks noChangeAspect="1"/>
+          </p:cNvPicPr>
+          <p:nvPr/>
+        </p:nvPicPr>
+        <p:blipFill>
+          <a:blip r:embed="rId5">
+            <a:extLst>
+              <a:ext uri="{28A0092B-C50C-407E-A947-70E740481C1C}">
+                <a14:useLocalDpi xmlns:a14="http://schemas.microsoft.com/office/drawing/2010/main" val="0"/>
+              </a:ext>
+            </a:extLst>
+          </a:blip>
+          <a:stretch>
+            <a:fillRect/>
+          </a:stretch>
+        </p:blipFill>
+        <p:spPr>
+          <a:xfrm>
+            <a:off x="2989197" y="3082564"/>
+            <a:ext cx="6419419" cy="3775435"/>
+          </a:xfrm>
+          <a:prstGeom prst="rect">
+            <a:avLst/>
+          </a:prstGeom>
+        </p:spPr>
+      </p:pic>
+      <p:sp>
+        <p:nvSpPr>
+          <p:cNvPr id="12" name="TextBox 11">
+            <a:extLst>
+              <a:ext uri="{FF2B5EF4-FFF2-40B4-BE49-F238E27FC236}">
+                <a16:creationId xmlns:a16="http://schemas.microsoft.com/office/drawing/2014/main" id="{5FD36736-DA54-8928-3C7F-70D0EAEABE98}"/>
+              </a:ext>
+            </a:extLst>
+          </p:cNvPr>
+          <p:cNvSpPr txBox="1"/>
+          <p:nvPr/>
+        </p:nvSpPr>
+        <p:spPr>
+          <a:xfrm>
+            <a:off x="2744100" y="1750136"/>
+            <a:ext cx="7125764" cy="646331"/>
+          </a:xfrm>
+          <a:prstGeom prst="rect">
+            <a:avLst/>
+          </a:prstGeom>
+          <a:noFill/>
+        </p:spPr>
+        <p:txBody>
+          <a:bodyPr wrap="square" rtlCol="0">
+            <a:spAutoFit/>
+          </a:bodyPr>
+          <a:lstStyle/>
+          <a:p>
+            <a:r>
+              <a:rPr lang="en-US" sz="3600" b="1" spc="600">
+                <a:solidFill>
+                  <a:srgbClr val="FFA357"/>
+                </a:solidFill>
+              </a:rPr>
+              <a:t>HR ATTRITION DASHBOARD</a:t>
+            </a:r>
+            <a:endParaRPr lang="en-IN" sz="3600" b="1" spc="600">
+              <a:solidFill>
+                <a:srgbClr val="FFA357"/>
+              </a:solidFill>
+            </a:endParaRPr>
+          </a:p>
+        </p:txBody>
+      </p:sp>
+    </p:spTree>
+    <p:extLst>
+      <p:ext uri="{BB962C8B-B14F-4D97-AF65-F5344CB8AC3E}">
+        <p14:creationId xmlns:p14="http://schemas.microsoft.com/office/powerpoint/2010/main" val="1466142906"/>
+      </p:ext>
+    </p:extLst>
+  </p:cSld>
+  <p:clrMapOvr>
+    <a:masterClrMapping/>
+  </p:clrMapOvr>
+</p:sld>
+</file>
+
+<file path=ppt/slides/slide2.xml><?xml version="1.0" encoding="utf-8"?>
+<p:sld xmlns:a="http://schemas.openxmlformats.org/drawingml/2006/main" xmlns:r="http://schemas.openxmlformats.org/officeDocument/2006/relationships" xmlns:p="http://schemas.openxmlformats.org/presentationml/2006/main">
+  <p:cSld>
+    <p:spTree>
+      <p:nvGrpSpPr>
+        <p:cNvPr id="1" name=""/>
+        <p:cNvGrpSpPr/>
+        <p:nvPr/>
+      </p:nvGrpSpPr>
+      <p:grpSpPr>
+        <a:xfrm>
+          <a:off x="0" y="0"/>
+          <a:ext cx="0" cy="0"/>
+          <a:chOff x="0" y="0"/>
+          <a:chExt cx="0" cy="0"/>
+        </a:xfrm>
+      </p:grpSpPr>
+      <p:pic>
+        <p:nvPicPr>
           <p:cNvPr id="3" name="Picture 2" descr="A group of circles on a white background&#10;&#10;AI-generated content may be incorrect.">
             <a:extLst>
               <a:ext uri="{FF2B5EF4-FFF2-40B4-BE49-F238E27FC236}">
@@ -4801,7 +5129,7 @@
 </p:sld>
 </file>
 
-<file path=ppt/slides/slide2.xml><?xml version="1.0" encoding="utf-8"?>
+<file path=ppt/slides/slide3.xml><?xml version="1.0" encoding="utf-8"?>
 <p:sld xmlns:a="http://schemas.openxmlformats.org/drawingml/2006/main" xmlns:r="http://schemas.openxmlformats.org/officeDocument/2006/relationships" xmlns:p="http://schemas.openxmlformats.org/presentationml/2006/main">
   <p:cSld>
     <p:spTree>
@@ -4931,8 +5259,8 @@
         </p:nvSpPr>
         <p:spPr>
           <a:xfrm>
-            <a:off x="7182078" y="3942103"/>
-            <a:ext cx="4485950" cy="2523536"/>
+            <a:off x="7182077" y="3942103"/>
+            <a:ext cx="4611515" cy="2523536"/>
           </a:xfrm>
           <a:prstGeom prst="roundRect">
             <a:avLst>
@@ -4985,8 +5313,8 @@
         </p:nvSpPr>
         <p:spPr>
           <a:xfrm>
-            <a:off x="7932393" y="1232653"/>
-            <a:ext cx="3735635" cy="2523270"/>
+            <a:off x="8150942" y="1232653"/>
+            <a:ext cx="3642650" cy="2523270"/>
           </a:xfrm>
           <a:prstGeom prst="roundRect">
             <a:avLst>
@@ -5088,7 +5416,7 @@
         </p:nvSpPr>
         <p:spPr>
           <a:xfrm>
-            <a:off x="8074300" y="1326859"/>
+            <a:off x="8221278" y="1316531"/>
             <a:ext cx="3425333" cy="292388"/>
           </a:xfrm>
           <a:prstGeom prst="rect">
@@ -5186,8 +5514,8 @@
         </p:nvSpPr>
         <p:spPr>
           <a:xfrm>
-            <a:off x="523972" y="1232653"/>
-            <a:ext cx="3947862" cy="2523270"/>
+            <a:off x="398408" y="1232653"/>
+            <a:ext cx="3861200" cy="2523270"/>
           </a:xfrm>
           <a:prstGeom prst="roundRect">
             <a:avLst>
@@ -5240,8 +5568,8 @@
         </p:nvSpPr>
         <p:spPr>
           <a:xfrm>
-            <a:off x="523972" y="3942103"/>
-            <a:ext cx="6485956" cy="2534110"/>
+            <a:off x="398407" y="3942103"/>
+            <a:ext cx="6611521" cy="2534110"/>
           </a:xfrm>
           <a:prstGeom prst="roundRect">
             <a:avLst>
@@ -5294,8 +5622,8 @@
         </p:nvSpPr>
         <p:spPr>
           <a:xfrm>
-            <a:off x="4658015" y="1232654"/>
-            <a:ext cx="3088197" cy="2523270"/>
+            <a:off x="4417298" y="1232653"/>
+            <a:ext cx="3586663" cy="2523270"/>
           </a:xfrm>
           <a:prstGeom prst="roundRect">
             <a:avLst>
@@ -5348,7 +5676,7 @@
         </p:nvSpPr>
         <p:spPr>
           <a:xfrm>
-            <a:off x="584585" y="1337840"/>
+            <a:off x="415891" y="1326859"/>
             <a:ext cx="3786740" cy="292388"/>
           </a:xfrm>
           <a:prstGeom prst="rect">
@@ -5397,7 +5725,7 @@
         </p:nvSpPr>
         <p:spPr>
           <a:xfrm>
-            <a:off x="4658016" y="1326859"/>
+            <a:off x="4471837" y="1306203"/>
             <a:ext cx="2111045" cy="292388"/>
           </a:xfrm>
           <a:prstGeom prst="rect">
@@ -5446,7 +5774,7 @@
         </p:nvSpPr>
         <p:spPr>
           <a:xfrm>
-            <a:off x="662253" y="4065410"/>
+            <a:off x="523972" y="4065410"/>
             <a:ext cx="2606883" cy="292388"/>
           </a:xfrm>
           <a:prstGeom prst="rect">
@@ -5485,6 +5813,699 @@
     <p:extLst>
       <p:ext uri="{BB962C8B-B14F-4D97-AF65-F5344CB8AC3E}">
         <p14:creationId xmlns:p14="http://schemas.microsoft.com/office/powerpoint/2010/main" val="1112362055"/>
+      </p:ext>
+    </p:extLst>
+  </p:cSld>
+  <p:clrMapOvr>
+    <a:masterClrMapping/>
+  </p:clrMapOvr>
+</p:sld>
+</file>
+
+<file path=ppt/slides/slide4.xml><?xml version="1.0" encoding="utf-8"?>
+<p:sld xmlns:a="http://schemas.openxmlformats.org/drawingml/2006/main" xmlns:r="http://schemas.openxmlformats.org/officeDocument/2006/relationships" xmlns:p="http://schemas.openxmlformats.org/presentationml/2006/main">
+  <p:cSld>
+    <p:spTree>
+      <p:nvGrpSpPr>
+        <p:cNvPr id="1" name="">
+          <a:extLst>
+            <a:ext uri="{FF2B5EF4-FFF2-40B4-BE49-F238E27FC236}">
+              <a16:creationId xmlns:a16="http://schemas.microsoft.com/office/drawing/2014/main" id="{799896D7-D5A3-44DB-2C40-EB6B2D805B94}"/>
+            </a:ext>
+          </a:extLst>
+        </p:cNvPr>
+        <p:cNvGrpSpPr/>
+        <p:nvPr/>
+      </p:nvGrpSpPr>
+      <p:grpSpPr>
+        <a:xfrm>
+          <a:off x="0" y="0"/>
+          <a:ext cx="0" cy="0"/>
+          <a:chOff x="0" y="0"/>
+          <a:chExt cx="0" cy="0"/>
+        </a:xfrm>
+      </p:grpSpPr>
+      <p:pic>
+        <p:nvPicPr>
+          <p:cNvPr id="3" name="Picture 2" descr="A group of circles on a white background&#10;&#10;AI-generated content may be incorrect.">
+            <a:extLst>
+              <a:ext uri="{FF2B5EF4-FFF2-40B4-BE49-F238E27FC236}">
+                <a16:creationId xmlns:a16="http://schemas.microsoft.com/office/drawing/2014/main" id="{1C88FECC-EF2A-FF36-F4CC-C2EFDF28DC4A}"/>
+              </a:ext>
+            </a:extLst>
+          </p:cNvPr>
+          <p:cNvPicPr>
+            <a:picLocks noChangeAspect="1"/>
+          </p:cNvPicPr>
+          <p:nvPr/>
+        </p:nvPicPr>
+        <p:blipFill>
+          <a:blip r:embed="rId3">
+            <a:extLst>
+              <a:ext uri="{28A0092B-C50C-407E-A947-70E740481C1C}">
+                <a14:useLocalDpi xmlns:a14="http://schemas.microsoft.com/office/drawing/2010/main" val="0"/>
+              </a:ext>
+            </a:extLst>
+          </a:blip>
+          <a:stretch>
+            <a:fillRect/>
+          </a:stretch>
+        </p:blipFill>
+        <p:spPr>
+          <a:xfrm>
+            <a:off x="0" y="0"/>
+            <a:ext cx="12192000" cy="6858000"/>
+          </a:xfrm>
+          <a:prstGeom prst="rect">
+            <a:avLst/>
+          </a:prstGeom>
+        </p:spPr>
+      </p:pic>
+      <p:sp>
+        <p:nvSpPr>
+          <p:cNvPr id="5" name="Rectangle: Rounded Corners 4">
+            <a:extLst>
+              <a:ext uri="{FF2B5EF4-FFF2-40B4-BE49-F238E27FC236}">
+                <a16:creationId xmlns:a16="http://schemas.microsoft.com/office/drawing/2014/main" id="{DF06CE17-4FA9-D1B2-5586-FBDA506A80E4}"/>
+              </a:ext>
+            </a:extLst>
+          </p:cNvPr>
+          <p:cNvSpPr/>
+          <p:nvPr/>
+        </p:nvSpPr>
+        <p:spPr>
+          <a:xfrm>
+            <a:off x="186179" y="186180"/>
+            <a:ext cx="11819641" cy="6485640"/>
+          </a:xfrm>
+          <a:prstGeom prst="roundRect">
+            <a:avLst>
+              <a:gd name="adj" fmla="val 2888"/>
+            </a:avLst>
+          </a:prstGeom>
+          <a:solidFill>
+            <a:schemeClr val="bg1">
+              <a:lumMod val="95000"/>
+              <a:alpha val="80000"/>
+            </a:schemeClr>
+          </a:solidFill>
+          <a:ln>
+            <a:noFill/>
+          </a:ln>
+        </p:spPr>
+        <p:style>
+          <a:lnRef idx="2">
+            <a:schemeClr val="accent1">
+              <a:shade val="15000"/>
+            </a:schemeClr>
+          </a:lnRef>
+          <a:fillRef idx="1">
+            <a:schemeClr val="accent1"/>
+          </a:fillRef>
+          <a:effectRef idx="0">
+            <a:schemeClr val="accent1"/>
+          </a:effectRef>
+          <a:fontRef idx="minor">
+            <a:schemeClr val="lt1"/>
+          </a:fontRef>
+        </p:style>
+        <p:txBody>
+          <a:bodyPr rtlCol="0" anchor="ctr"/>
+          <a:lstStyle/>
+          <a:p>
+            <a:pPr algn="ctr"/>
+            <a:endParaRPr lang="en-IN"/>
+          </a:p>
+        </p:txBody>
+      </p:sp>
+      <p:sp>
+        <p:nvSpPr>
+          <p:cNvPr id="7" name="Rectangle: Rounded Corners 6">
+            <a:extLst>
+              <a:ext uri="{FF2B5EF4-FFF2-40B4-BE49-F238E27FC236}">
+                <a16:creationId xmlns:a16="http://schemas.microsoft.com/office/drawing/2014/main" id="{E9E215E0-69DF-9F51-598B-5F67B66759E2}"/>
+              </a:ext>
+            </a:extLst>
+          </p:cNvPr>
+          <p:cNvSpPr/>
+          <p:nvPr/>
+        </p:nvSpPr>
+        <p:spPr>
+          <a:xfrm>
+            <a:off x="6360737" y="3942103"/>
+            <a:ext cx="5432856" cy="2523536"/>
+          </a:xfrm>
+          <a:prstGeom prst="roundRect">
+            <a:avLst>
+              <a:gd name="adj" fmla="val 3631"/>
+            </a:avLst>
+          </a:prstGeom>
+          <a:solidFill>
+            <a:schemeClr val="bg1"/>
+          </a:solidFill>
+          <a:ln>
+            <a:noFill/>
+          </a:ln>
+        </p:spPr>
+        <p:style>
+          <a:lnRef idx="2">
+            <a:schemeClr val="accent1">
+              <a:shade val="15000"/>
+            </a:schemeClr>
+          </a:lnRef>
+          <a:fillRef idx="1">
+            <a:schemeClr val="accent1"/>
+          </a:fillRef>
+          <a:effectRef idx="0">
+            <a:schemeClr val="accent1"/>
+          </a:effectRef>
+          <a:fontRef idx="minor">
+            <a:schemeClr val="lt1"/>
+          </a:fontRef>
+        </p:style>
+        <p:txBody>
+          <a:bodyPr rtlCol="0" anchor="ctr"/>
+          <a:lstStyle/>
+          <a:p>
+            <a:pPr algn="ctr"/>
+            <a:endParaRPr lang="en-IN"/>
+          </a:p>
+        </p:txBody>
+      </p:sp>
+      <p:sp>
+        <p:nvSpPr>
+          <p:cNvPr id="8" name="Rectangle: Rounded Corners 7">
+            <a:extLst>
+              <a:ext uri="{FF2B5EF4-FFF2-40B4-BE49-F238E27FC236}">
+                <a16:creationId xmlns:a16="http://schemas.microsoft.com/office/drawing/2014/main" id="{6B0A66EE-F9B1-B9AA-B3CE-DC3F78EDA536}"/>
+              </a:ext>
+            </a:extLst>
+          </p:cNvPr>
+          <p:cNvSpPr/>
+          <p:nvPr/>
+        </p:nvSpPr>
+        <p:spPr>
+          <a:xfrm>
+            <a:off x="8150942" y="1232653"/>
+            <a:ext cx="3642650" cy="2523270"/>
+          </a:xfrm>
+          <a:prstGeom prst="roundRect">
+            <a:avLst>
+              <a:gd name="adj" fmla="val 3631"/>
+            </a:avLst>
+          </a:prstGeom>
+          <a:solidFill>
+            <a:schemeClr val="bg1"/>
+          </a:solidFill>
+          <a:ln>
+            <a:noFill/>
+          </a:ln>
+        </p:spPr>
+        <p:style>
+          <a:lnRef idx="2">
+            <a:schemeClr val="accent1">
+              <a:shade val="15000"/>
+            </a:schemeClr>
+          </a:lnRef>
+          <a:fillRef idx="1">
+            <a:schemeClr val="accent1"/>
+          </a:fillRef>
+          <a:effectRef idx="0">
+            <a:schemeClr val="accent1"/>
+          </a:effectRef>
+          <a:fontRef idx="minor">
+            <a:schemeClr val="lt1"/>
+          </a:fontRef>
+        </p:style>
+        <p:txBody>
+          <a:bodyPr rtlCol="0" anchor="ctr"/>
+          <a:lstStyle/>
+          <a:p>
+            <a:pPr algn="ctr"/>
+            <a:endParaRPr lang="en-IN"/>
+          </a:p>
+        </p:txBody>
+      </p:sp>
+      <p:sp>
+        <p:nvSpPr>
+          <p:cNvPr id="10" name="TextBox 9">
+            <a:extLst>
+              <a:ext uri="{FF2B5EF4-FFF2-40B4-BE49-F238E27FC236}">
+                <a16:creationId xmlns:a16="http://schemas.microsoft.com/office/drawing/2014/main" id="{5045D64A-921A-2590-12DD-B1D8707D50C4}"/>
+              </a:ext>
+            </a:extLst>
+          </p:cNvPr>
+          <p:cNvSpPr txBox="1"/>
+          <p:nvPr/>
+        </p:nvSpPr>
+        <p:spPr>
+          <a:xfrm>
+            <a:off x="6396214" y="4065410"/>
+            <a:ext cx="4819330" cy="292388"/>
+          </a:xfrm>
+          <a:prstGeom prst="rect">
+            <a:avLst/>
+          </a:prstGeom>
+          <a:noFill/>
+        </p:spPr>
+        <p:txBody>
+          <a:bodyPr wrap="square" rtlCol="0">
+            <a:spAutoFit/>
+          </a:bodyPr>
+          <a:lstStyle/>
+          <a:p>
+            <a:pPr>
+              <a:spcAft>
+                <a:spcPts val="600"/>
+              </a:spcAft>
+            </a:pPr>
+            <a:r>
+              <a:rPr lang="en-US" sz="1300" spc="300">
+                <a:latin typeface="Tahoma" panose="020B0604030504040204" pitchFamily="34" charset="0"/>
+                <a:ea typeface="Tahoma" panose="020B0604030504040204" pitchFamily="34" charset="0"/>
+                <a:cs typeface="Tahoma" panose="020B0604030504040204" pitchFamily="34" charset="0"/>
+              </a:rPr>
+              <a:t>TRAINING FREQUENCY VS RATING</a:t>
+            </a:r>
+            <a:endParaRPr lang="en-IN" sz="1300" spc="300">
+              <a:latin typeface="Tahoma" panose="020B0604030504040204" pitchFamily="34" charset="0"/>
+              <a:ea typeface="Tahoma" panose="020B0604030504040204" pitchFamily="34" charset="0"/>
+              <a:cs typeface="Tahoma" panose="020B0604030504040204" pitchFamily="34" charset="0"/>
+            </a:endParaRPr>
+          </a:p>
+        </p:txBody>
+      </p:sp>
+      <p:sp>
+        <p:nvSpPr>
+          <p:cNvPr id="11" name="TextBox 10">
+            <a:extLst>
+              <a:ext uri="{FF2B5EF4-FFF2-40B4-BE49-F238E27FC236}">
+                <a16:creationId xmlns:a16="http://schemas.microsoft.com/office/drawing/2014/main" id="{27B749DD-F651-2FD6-1485-80859C561C85}"/>
+              </a:ext>
+            </a:extLst>
+          </p:cNvPr>
+          <p:cNvSpPr txBox="1"/>
+          <p:nvPr/>
+        </p:nvSpPr>
+        <p:spPr>
+          <a:xfrm>
+            <a:off x="8221278" y="1316531"/>
+            <a:ext cx="3425333" cy="292388"/>
+          </a:xfrm>
+          <a:prstGeom prst="rect">
+            <a:avLst/>
+          </a:prstGeom>
+          <a:noFill/>
+        </p:spPr>
+        <p:txBody>
+          <a:bodyPr wrap="square" rtlCol="0">
+            <a:spAutoFit/>
+          </a:bodyPr>
+          <a:lstStyle/>
+          <a:p>
+            <a:pPr>
+              <a:spcAft>
+                <a:spcPts val="600"/>
+              </a:spcAft>
+            </a:pPr>
+            <a:r>
+              <a:rPr lang="en-US" sz="1300" spc="300">
+                <a:latin typeface="Tahoma" panose="020B0604030504040204" pitchFamily="34" charset="0"/>
+                <a:ea typeface="Tahoma" panose="020B0604030504040204" pitchFamily="34" charset="0"/>
+                <a:cs typeface="Tahoma" panose="020B0604030504040204" pitchFamily="34" charset="0"/>
+              </a:rPr>
+              <a:t>JOB LEVEL VS PERFORMANCE</a:t>
+            </a:r>
+            <a:endParaRPr lang="en-IN" sz="1300" spc="300">
+              <a:latin typeface="Tahoma" panose="020B0604030504040204" pitchFamily="34" charset="0"/>
+              <a:ea typeface="Tahoma" panose="020B0604030504040204" pitchFamily="34" charset="0"/>
+              <a:cs typeface="Tahoma" panose="020B0604030504040204" pitchFamily="34" charset="0"/>
+            </a:endParaRPr>
+          </a:p>
+        </p:txBody>
+      </p:sp>
+      <p:sp>
+        <p:nvSpPr>
+          <p:cNvPr id="20" name="TextBox 19">
+            <a:extLst>
+              <a:ext uri="{FF2B5EF4-FFF2-40B4-BE49-F238E27FC236}">
+                <a16:creationId xmlns:a16="http://schemas.microsoft.com/office/drawing/2014/main" id="{226F3095-8560-3835-48E0-C2112C25EE3C}"/>
+              </a:ext>
+            </a:extLst>
+          </p:cNvPr>
+          <p:cNvSpPr txBox="1"/>
+          <p:nvPr/>
+        </p:nvSpPr>
+        <p:spPr>
+          <a:xfrm>
+            <a:off x="523972" y="635052"/>
+            <a:ext cx="5490329" cy="400110"/>
+          </a:xfrm>
+          <a:prstGeom prst="rect">
+            <a:avLst/>
+          </a:prstGeom>
+          <a:noFill/>
+        </p:spPr>
+        <p:txBody>
+          <a:bodyPr wrap="square" rtlCol="0">
+            <a:spAutoFit/>
+          </a:bodyPr>
+          <a:lstStyle/>
+          <a:p>
+            <a:pPr>
+              <a:spcAft>
+                <a:spcPts val="600"/>
+              </a:spcAft>
+            </a:pPr>
+            <a:r>
+              <a:rPr lang="en-US" sz="2000" spc="600">
+                <a:latin typeface="Tahoma" panose="020B0604030504040204" pitchFamily="34" charset="0"/>
+                <a:ea typeface="Tahoma" panose="020B0604030504040204" pitchFamily="34" charset="0"/>
+                <a:cs typeface="Tahoma" panose="020B0604030504040204" pitchFamily="34" charset="0"/>
+              </a:rPr>
+              <a:t>HR ATTRITION DASHBOARD</a:t>
+            </a:r>
+            <a:endParaRPr lang="en-IN" sz="2000" spc="600">
+              <a:latin typeface="Tahoma" panose="020B0604030504040204" pitchFamily="34" charset="0"/>
+              <a:ea typeface="Tahoma" panose="020B0604030504040204" pitchFamily="34" charset="0"/>
+              <a:cs typeface="Tahoma" panose="020B0604030504040204" pitchFamily="34" charset="0"/>
+            </a:endParaRPr>
+          </a:p>
+        </p:txBody>
+      </p:sp>
+      <p:sp>
+        <p:nvSpPr>
+          <p:cNvPr id="17" name="Rectangle: Rounded Corners 16">
+            <a:extLst>
+              <a:ext uri="{FF2B5EF4-FFF2-40B4-BE49-F238E27FC236}">
+                <a16:creationId xmlns:a16="http://schemas.microsoft.com/office/drawing/2014/main" id="{217DC273-A167-513D-BC67-5BF07E818C33}"/>
+              </a:ext>
+            </a:extLst>
+          </p:cNvPr>
+          <p:cNvSpPr/>
+          <p:nvPr/>
+        </p:nvSpPr>
+        <p:spPr>
+          <a:xfrm>
+            <a:off x="398408" y="1232653"/>
+            <a:ext cx="3586663" cy="2523270"/>
+          </a:xfrm>
+          <a:prstGeom prst="roundRect">
+            <a:avLst>
+              <a:gd name="adj" fmla="val 3631"/>
+            </a:avLst>
+          </a:prstGeom>
+          <a:solidFill>
+            <a:schemeClr val="bg1"/>
+          </a:solidFill>
+          <a:ln>
+            <a:noFill/>
+          </a:ln>
+        </p:spPr>
+        <p:style>
+          <a:lnRef idx="2">
+            <a:schemeClr val="accent1">
+              <a:shade val="15000"/>
+            </a:schemeClr>
+          </a:lnRef>
+          <a:fillRef idx="1">
+            <a:schemeClr val="accent1"/>
+          </a:fillRef>
+          <a:effectRef idx="0">
+            <a:schemeClr val="accent1"/>
+          </a:effectRef>
+          <a:fontRef idx="minor">
+            <a:schemeClr val="lt1"/>
+          </a:fontRef>
+        </p:style>
+        <p:txBody>
+          <a:bodyPr rtlCol="0" anchor="ctr"/>
+          <a:lstStyle/>
+          <a:p>
+            <a:pPr algn="ctr"/>
+            <a:endParaRPr lang="en-IN"/>
+          </a:p>
+        </p:txBody>
+      </p:sp>
+      <p:sp>
+        <p:nvSpPr>
+          <p:cNvPr id="2" name="Rectangle: Rounded Corners 1">
+            <a:extLst>
+              <a:ext uri="{FF2B5EF4-FFF2-40B4-BE49-F238E27FC236}">
+                <a16:creationId xmlns:a16="http://schemas.microsoft.com/office/drawing/2014/main" id="{EBA6A322-A311-C6D8-7AEA-B1C0051ADD0C}"/>
+              </a:ext>
+            </a:extLst>
+          </p:cNvPr>
+          <p:cNvSpPr/>
+          <p:nvPr/>
+        </p:nvSpPr>
+        <p:spPr>
+          <a:xfrm>
+            <a:off x="398408" y="3942103"/>
+            <a:ext cx="5776150" cy="2534110"/>
+          </a:xfrm>
+          <a:prstGeom prst="roundRect">
+            <a:avLst>
+              <a:gd name="adj" fmla="val 3631"/>
+            </a:avLst>
+          </a:prstGeom>
+          <a:solidFill>
+            <a:schemeClr val="bg1"/>
+          </a:solidFill>
+          <a:ln>
+            <a:noFill/>
+          </a:ln>
+        </p:spPr>
+        <p:style>
+          <a:lnRef idx="2">
+            <a:schemeClr val="accent1">
+              <a:shade val="15000"/>
+            </a:schemeClr>
+          </a:lnRef>
+          <a:fillRef idx="1">
+            <a:schemeClr val="accent1"/>
+          </a:fillRef>
+          <a:effectRef idx="0">
+            <a:schemeClr val="accent1"/>
+          </a:effectRef>
+          <a:fontRef idx="minor">
+            <a:schemeClr val="lt1"/>
+          </a:fontRef>
+        </p:style>
+        <p:txBody>
+          <a:bodyPr rtlCol="0" anchor="ctr"/>
+          <a:lstStyle/>
+          <a:p>
+            <a:pPr algn="ctr"/>
+            <a:endParaRPr lang="en-IN"/>
+          </a:p>
+        </p:txBody>
+      </p:sp>
+      <p:sp>
+        <p:nvSpPr>
+          <p:cNvPr id="4" name="Rectangle: Rounded Corners 3">
+            <a:extLst>
+              <a:ext uri="{FF2B5EF4-FFF2-40B4-BE49-F238E27FC236}">
+                <a16:creationId xmlns:a16="http://schemas.microsoft.com/office/drawing/2014/main" id="{5E11AEB7-6815-FE57-F48B-60C04C9B40D8}"/>
+              </a:ext>
+            </a:extLst>
+          </p:cNvPr>
+          <p:cNvSpPr/>
+          <p:nvPr/>
+        </p:nvSpPr>
+        <p:spPr>
+          <a:xfrm>
+            <a:off x="4171250" y="1232653"/>
+            <a:ext cx="3832711" cy="2523270"/>
+          </a:xfrm>
+          <a:prstGeom prst="roundRect">
+            <a:avLst>
+              <a:gd name="adj" fmla="val 3631"/>
+            </a:avLst>
+          </a:prstGeom>
+          <a:solidFill>
+            <a:schemeClr val="bg1"/>
+          </a:solidFill>
+          <a:ln>
+            <a:noFill/>
+          </a:ln>
+        </p:spPr>
+        <p:style>
+          <a:lnRef idx="2">
+            <a:schemeClr val="accent1">
+              <a:shade val="15000"/>
+            </a:schemeClr>
+          </a:lnRef>
+          <a:fillRef idx="1">
+            <a:schemeClr val="accent1"/>
+          </a:fillRef>
+          <a:effectRef idx="0">
+            <a:schemeClr val="accent1"/>
+          </a:effectRef>
+          <a:fontRef idx="minor">
+            <a:schemeClr val="lt1"/>
+          </a:fontRef>
+        </p:style>
+        <p:txBody>
+          <a:bodyPr rtlCol="0" anchor="ctr"/>
+          <a:lstStyle/>
+          <a:p>
+            <a:pPr algn="ctr"/>
+            <a:endParaRPr lang="en-IN"/>
+          </a:p>
+        </p:txBody>
+      </p:sp>
+      <p:sp>
+        <p:nvSpPr>
+          <p:cNvPr id="13" name="TextBox 12">
+            <a:extLst>
+              <a:ext uri="{FF2B5EF4-FFF2-40B4-BE49-F238E27FC236}">
+                <a16:creationId xmlns:a16="http://schemas.microsoft.com/office/drawing/2014/main" id="{9CC8E9A4-EA87-9776-E9D4-51979B20ACD2}"/>
+              </a:ext>
+            </a:extLst>
+          </p:cNvPr>
+          <p:cNvSpPr txBox="1"/>
+          <p:nvPr/>
+        </p:nvSpPr>
+        <p:spPr>
+          <a:xfrm>
+            <a:off x="415891" y="1326859"/>
+            <a:ext cx="3194576" cy="292388"/>
+          </a:xfrm>
+          <a:prstGeom prst="rect">
+            <a:avLst/>
+          </a:prstGeom>
+          <a:noFill/>
+        </p:spPr>
+        <p:txBody>
+          <a:bodyPr wrap="square" rtlCol="0">
+            <a:spAutoFit/>
+          </a:bodyPr>
+          <a:lstStyle/>
+          <a:p>
+            <a:pPr>
+              <a:spcAft>
+                <a:spcPts val="600"/>
+              </a:spcAft>
+            </a:pPr>
+            <a:r>
+              <a:rPr lang="en-US" sz="1300" spc="300">
+                <a:latin typeface="Tahoma" panose="020B0604030504040204" pitchFamily="34" charset="0"/>
+                <a:ea typeface="Tahoma" panose="020B0604030504040204" pitchFamily="34" charset="0"/>
+                <a:cs typeface="Tahoma" panose="020B0604030504040204" pitchFamily="34" charset="0"/>
+              </a:rPr>
+              <a:t>RATING BY DEPARTMENT</a:t>
+            </a:r>
+            <a:endParaRPr lang="en-IN" sz="1300" spc="300">
+              <a:latin typeface="Tahoma" panose="020B0604030504040204" pitchFamily="34" charset="0"/>
+              <a:ea typeface="Tahoma" panose="020B0604030504040204" pitchFamily="34" charset="0"/>
+              <a:cs typeface="Tahoma" panose="020B0604030504040204" pitchFamily="34" charset="0"/>
+            </a:endParaRPr>
+          </a:p>
+        </p:txBody>
+      </p:sp>
+      <p:sp>
+        <p:nvSpPr>
+          <p:cNvPr id="9" name="TextBox 8">
+            <a:extLst>
+              <a:ext uri="{FF2B5EF4-FFF2-40B4-BE49-F238E27FC236}">
+                <a16:creationId xmlns:a16="http://schemas.microsoft.com/office/drawing/2014/main" id="{FD743B4D-369E-81B0-55E8-9D869CBE6E88}"/>
+              </a:ext>
+            </a:extLst>
+          </p:cNvPr>
+          <p:cNvSpPr txBox="1"/>
+          <p:nvPr/>
+        </p:nvSpPr>
+        <p:spPr>
+          <a:xfrm>
+            <a:off x="4197300" y="1315112"/>
+            <a:ext cx="3399544" cy="302716"/>
+          </a:xfrm>
+          <a:prstGeom prst="rect">
+            <a:avLst/>
+          </a:prstGeom>
+          <a:noFill/>
+        </p:spPr>
+        <p:txBody>
+          <a:bodyPr wrap="square" rtlCol="0">
+            <a:spAutoFit/>
+          </a:bodyPr>
+          <a:lstStyle/>
+          <a:p>
+            <a:pPr>
+              <a:spcAft>
+                <a:spcPts val="600"/>
+              </a:spcAft>
+            </a:pPr>
+            <a:r>
+              <a:rPr lang="en-IN" sz="1300" spc="300">
+                <a:latin typeface="Tahoma" panose="020B0604030504040204" pitchFamily="34" charset="0"/>
+                <a:ea typeface="Tahoma" panose="020B0604030504040204" pitchFamily="34" charset="0"/>
+                <a:cs typeface="Tahoma" panose="020B0604030504040204" pitchFamily="34" charset="0"/>
+              </a:rPr>
+              <a:t>JOB LEVEL VS PERFORMANCE</a:t>
+            </a:r>
+            <a:endParaRPr lang="en-IN" sz="1200" spc="300">
+              <a:latin typeface="Tahoma" panose="020B0604030504040204" pitchFamily="34" charset="0"/>
+              <a:ea typeface="Tahoma" panose="020B0604030504040204" pitchFamily="34" charset="0"/>
+              <a:cs typeface="Tahoma" panose="020B0604030504040204" pitchFamily="34" charset="0"/>
+            </a:endParaRPr>
+          </a:p>
+        </p:txBody>
+      </p:sp>
+      <p:sp>
+        <p:nvSpPr>
+          <p:cNvPr id="12" name="TextBox 11">
+            <a:extLst>
+              <a:ext uri="{FF2B5EF4-FFF2-40B4-BE49-F238E27FC236}">
+                <a16:creationId xmlns:a16="http://schemas.microsoft.com/office/drawing/2014/main" id="{5D424AC3-5858-AE76-9B1E-2CF4DA4B42E2}"/>
+              </a:ext>
+            </a:extLst>
+          </p:cNvPr>
+          <p:cNvSpPr txBox="1"/>
+          <p:nvPr/>
+        </p:nvSpPr>
+        <p:spPr>
+          <a:xfrm>
+            <a:off x="523972" y="4065410"/>
+            <a:ext cx="4519368" cy="292388"/>
+          </a:xfrm>
+          <a:prstGeom prst="rect">
+            <a:avLst/>
+          </a:prstGeom>
+          <a:noFill/>
+        </p:spPr>
+        <p:txBody>
+          <a:bodyPr wrap="square" rtlCol="0">
+            <a:spAutoFit/>
+          </a:bodyPr>
+          <a:lstStyle/>
+          <a:p>
+            <a:pPr>
+              <a:spcAft>
+                <a:spcPts val="600"/>
+              </a:spcAft>
+            </a:pPr>
+            <a:r>
+              <a:rPr lang="en-US" sz="1300" spc="300">
+                <a:latin typeface="Tahoma" panose="020B0604030504040204" pitchFamily="34" charset="0"/>
+                <a:ea typeface="Tahoma" panose="020B0604030504040204" pitchFamily="34" charset="0"/>
+                <a:cs typeface="Tahoma" panose="020B0604030504040204" pitchFamily="34" charset="0"/>
+              </a:rPr>
+              <a:t>PERFORMANCE RATING TREND BY YEAR</a:t>
+            </a:r>
+            <a:endParaRPr lang="en-IN" sz="1300" spc="300">
+              <a:latin typeface="Tahoma" panose="020B0604030504040204" pitchFamily="34" charset="0"/>
+              <a:ea typeface="Tahoma" panose="020B0604030504040204" pitchFamily="34" charset="0"/>
+              <a:cs typeface="Tahoma" panose="020B0604030504040204" pitchFamily="34" charset="0"/>
+            </a:endParaRPr>
+          </a:p>
+        </p:txBody>
+      </p:sp>
+    </p:spTree>
+    <p:extLst>
+      <p:ext uri="{BB962C8B-B14F-4D97-AF65-F5344CB8AC3E}">
+        <p14:creationId xmlns:p14="http://schemas.microsoft.com/office/powerpoint/2010/main" val="3190963443"/>
       </p:ext>
     </p:extLst>
   </p:cSld>
